--- a/2) Variables & Tipos de Datos C#/Variables C#.pptx
+++ b/2) Variables & Tipos de Datos C#/Variables C#.pptx
@@ -111,6 +111,22 @@
       </a:defRPr>
     </a:lvl9pPr>
   </p:defaultTextStyle>
+  <p:extLst>
+    <p:ext uri="{EFAFB233-063F-42B5-8137-9DF3F51BA10A}">
+      <p15:sldGuideLst xmlns:p15="http://schemas.microsoft.com/office/powerpoint/2012/main">
+        <p15:guide id="1" orient="horz" pos="2160">
+          <p15:clr>
+            <a:srgbClr val="A4A3A4"/>
+          </p15:clr>
+        </p15:guide>
+        <p15:guide id="2" pos="2880">
+          <p15:clr>
+            <a:srgbClr val="A4A3A4"/>
+          </p15:clr>
+        </p15:guide>
+      </p15:sldGuideLst>
+    </p:ext>
+  </p:extLst>
 </p:presentation>
 </file>
 
@@ -144,13 +160,11 @@
         <p:spPr/>
         <p:txBody>
           <a:bodyPr/>
-          <a:lstStyle>
-            <a:extLst/>
-          </a:lstStyle>
+          <a:lstStyle/>
           <a:p>
             <a:fld id="{3F2A4CCE-9A57-4F47-8C33-4C2646B0BB60}" type="datetimeFigureOut">
               <a:rPr lang="es-CR" smtClean="0"/>
-              <a:t>16/10/2014</a:t>
+              <a:t>3/6/2024</a:t>
             </a:fld>
             <a:endParaRPr lang="es-CR"/>
           </a:p>
@@ -169,9 +183,7 @@
         <p:spPr/>
         <p:txBody>
           <a:bodyPr/>
-          <a:lstStyle>
-            <a:extLst/>
-          </a:lstStyle>
+          <a:lstStyle/>
           <a:p>
             <a:endParaRPr lang="es-CR"/>
           </a:p>
@@ -190,9 +202,7 @@
         <p:spPr/>
         <p:txBody>
           <a:bodyPr/>
-          <a:lstStyle>
-            <a:extLst/>
-          </a:lstStyle>
+          <a:lstStyle/>
           <a:p>
             <a:fld id="{84139CB1-C639-43D4-A492-7EC11BEEDE8A}" type="slidenum">
               <a:rPr lang="es-CR" smtClean="0"/>
@@ -243,9 +253,7 @@
         </p:style>
         <p:txBody>
           <a:bodyPr anchor="ctr"/>
-          <a:lstStyle>
-            <a:extLst/>
-          </a:lstStyle>
+          <a:lstStyle/>
           <a:p>
             <a:pPr algn="ctr" eaLnBrk="1" latinLnBrk="0" hangingPunct="1"/>
             <a:endParaRPr kumimoji="0" lang="en-US"/>
@@ -291,9 +299,7 @@
         </p:style>
         <p:txBody>
           <a:bodyPr anchor="ctr"/>
-          <a:lstStyle>
-            <a:extLst/>
-          </a:lstStyle>
+          <a:lstStyle/>
           <a:p>
             <a:pPr algn="ctr" eaLnBrk="1" latinLnBrk="0" hangingPunct="1"/>
             <a:endParaRPr kumimoji="0" lang="en-US" dirty="0"/>
@@ -339,9 +345,7 @@
         </p:style>
         <p:txBody>
           <a:bodyPr anchor="ctr"/>
-          <a:lstStyle>
-            <a:extLst/>
-          </a:lstStyle>
+          <a:lstStyle/>
           <a:p>
             <a:pPr algn="ctr" eaLnBrk="1" latinLnBrk="0" hangingPunct="1"/>
             <a:endParaRPr kumimoji="0" lang="en-US" dirty="0"/>
@@ -387,9 +391,7 @@
         </p:style>
         <p:txBody>
           <a:bodyPr anchor="ctr"/>
-          <a:lstStyle>
-            <a:extLst/>
-          </a:lstStyle>
+          <a:lstStyle/>
           <a:p>
             <a:pPr algn="ctr" eaLnBrk="1" latinLnBrk="0" hangingPunct="1"/>
             <a:endParaRPr kumimoji="0" lang="en-US"/>
@@ -435,9 +437,7 @@
         </p:style>
         <p:txBody>
           <a:bodyPr anchor="ctr"/>
-          <a:lstStyle>
-            <a:extLst/>
-          </a:lstStyle>
+          <a:lstStyle/>
           <a:p>
             <a:pPr algn="ctr" eaLnBrk="1" latinLnBrk="0" hangingPunct="1"/>
             <a:endParaRPr kumimoji="0" lang="en-US" dirty="0"/>
@@ -474,7 +474,7 @@
           </a:lstStyle>
           <a:p>
             <a:r>
-              <a:rPr kumimoji="0" lang="es-ES" smtClean="0"/>
+              <a:rPr kumimoji="0" lang="es-ES"/>
               <a:t>Haga clic para modificar el estilo de título del patrón</a:t>
             </a:r>
             <a:endParaRPr kumimoji="0" lang="en-US"/>
@@ -539,7 +539,7 @@
           </a:lstStyle>
           <a:p>
             <a:r>
-              <a:rPr kumimoji="0" lang="es-ES" smtClean="0"/>
+              <a:rPr kumimoji="0" lang="es-ES"/>
               <a:t>Haga clic para modificar el estilo de subtítulo del patrón</a:t>
             </a:r>
             <a:endParaRPr kumimoji="0" lang="en-US"/>
@@ -587,9 +587,7 @@
         </p:style>
         <p:txBody>
           <a:bodyPr anchor="ctr"/>
-          <a:lstStyle>
-            <a:extLst/>
-          </a:lstStyle>
+          <a:lstStyle/>
           <a:p>
             <a:pPr algn="ctr" eaLnBrk="1" latinLnBrk="0" hangingPunct="1"/>
             <a:endParaRPr kumimoji="0" lang="en-US"/>
@@ -637,9 +635,7 @@
         </p:style>
         <p:txBody>
           <a:bodyPr anchor="ctr"/>
-          <a:lstStyle>
-            <a:extLst/>
-          </a:lstStyle>
+          <a:lstStyle/>
           <a:p>
             <a:pPr algn="ctr" eaLnBrk="1" latinLnBrk="0" hangingPunct="1"/>
             <a:endParaRPr kumimoji="0" lang="en-US"/>
@@ -685,9 +681,7 @@
         </p:style>
         <p:txBody>
           <a:bodyPr anchor="ctr"/>
-          <a:lstStyle>
-            <a:extLst/>
-          </a:lstStyle>
+          <a:lstStyle/>
           <a:p>
             <a:pPr algn="ctr" eaLnBrk="1" latinLnBrk="0" hangingPunct="1"/>
             <a:endParaRPr kumimoji="0" lang="en-US"/>
@@ -735,9 +729,7 @@
         </p:style>
         <p:txBody>
           <a:bodyPr anchor="ctr"/>
-          <a:lstStyle>
-            <a:extLst/>
-          </a:lstStyle>
+          <a:lstStyle/>
           <a:p>
             <a:pPr algn="ctr" eaLnBrk="1" latinLnBrk="0" hangingPunct="1"/>
             <a:endParaRPr kumimoji="0" lang="en-US" dirty="0"/>
@@ -782,12 +774,10 @@
         <p:spPr/>
         <p:txBody>
           <a:bodyPr/>
-          <a:lstStyle>
-            <a:extLst/>
-          </a:lstStyle>
-          <a:p>
-            <a:r>
-              <a:rPr kumimoji="0" lang="es-ES" smtClean="0"/>
+          <a:lstStyle/>
+          <a:p>
+            <a:r>
+              <a:rPr kumimoji="0" lang="es-ES"/>
               <a:t>Haga clic para modificar el estilo de título del patrón</a:t>
             </a:r>
             <a:endParaRPr kumimoji="0" lang="en-US"/>
@@ -807,41 +797,39 @@
         <p:spPr/>
         <p:txBody>
           <a:bodyPr vert="eaVert"/>
-          <a:lstStyle>
-            <a:extLst/>
-          </a:lstStyle>
+          <a:lstStyle/>
           <a:p>
             <a:pPr lvl="0" eaLnBrk="1" latinLnBrk="0" hangingPunct="1"/>
             <a:r>
-              <a:rPr lang="es-ES" smtClean="0"/>
+              <a:rPr lang="es-ES"/>
               <a:t>Haga clic para modificar el estilo de texto del patrón</a:t>
             </a:r>
           </a:p>
           <a:p>
             <a:pPr lvl="1" eaLnBrk="1" latinLnBrk="0" hangingPunct="1"/>
             <a:r>
-              <a:rPr lang="es-ES" smtClean="0"/>
+              <a:rPr lang="es-ES"/>
               <a:t>Segundo nivel</a:t>
             </a:r>
           </a:p>
           <a:p>
             <a:pPr lvl="2" eaLnBrk="1" latinLnBrk="0" hangingPunct="1"/>
             <a:r>
-              <a:rPr lang="es-ES" smtClean="0"/>
+              <a:rPr lang="es-ES"/>
               <a:t>Tercer nivel</a:t>
             </a:r>
           </a:p>
           <a:p>
             <a:pPr lvl="3" eaLnBrk="1" latinLnBrk="0" hangingPunct="1"/>
             <a:r>
-              <a:rPr lang="es-ES" smtClean="0"/>
+              <a:rPr lang="es-ES"/>
               <a:t>Cuarto nivel</a:t>
             </a:r>
           </a:p>
           <a:p>
             <a:pPr lvl="4" eaLnBrk="1" latinLnBrk="0" hangingPunct="1"/>
             <a:r>
-              <a:rPr lang="es-ES" smtClean="0"/>
+              <a:rPr lang="es-ES"/>
               <a:t>Quinto nivel</a:t>
             </a:r>
             <a:endParaRPr kumimoji="0" lang="en-US"/>
@@ -861,13 +849,11 @@
         <p:spPr/>
         <p:txBody>
           <a:bodyPr/>
-          <a:lstStyle>
-            <a:extLst/>
-          </a:lstStyle>
+          <a:lstStyle/>
           <a:p>
             <a:fld id="{3F2A4CCE-9A57-4F47-8C33-4C2646B0BB60}" type="datetimeFigureOut">
               <a:rPr lang="es-CR" smtClean="0"/>
-              <a:t>16/10/2014</a:t>
+              <a:t>3/6/2024</a:t>
             </a:fld>
             <a:endParaRPr lang="es-CR"/>
           </a:p>
@@ -886,9 +872,7 @@
         <p:spPr/>
         <p:txBody>
           <a:bodyPr/>
-          <a:lstStyle>
-            <a:extLst/>
-          </a:lstStyle>
+          <a:lstStyle/>
           <a:p>
             <a:endParaRPr lang="es-CR"/>
           </a:p>
@@ -907,9 +891,7 @@
         <p:spPr/>
         <p:txBody>
           <a:bodyPr/>
-          <a:lstStyle>
-            <a:extLst/>
-          </a:lstStyle>
+          <a:lstStyle/>
           <a:p>
             <a:fld id="{84139CB1-C639-43D4-A492-7EC11BEEDE8A}" type="slidenum">
               <a:rPr lang="es-CR" smtClean="0"/>
@@ -962,12 +944,10 @@
         </p:spPr>
         <p:txBody>
           <a:bodyPr vert="eaVert" anchor="ctr"/>
-          <a:lstStyle>
-            <a:extLst/>
-          </a:lstStyle>
-          <a:p>
-            <a:r>
-              <a:rPr kumimoji="0" lang="es-ES" smtClean="0"/>
+          <a:lstStyle/>
+          <a:p>
+            <a:r>
+              <a:rPr kumimoji="0" lang="es-ES"/>
               <a:t>Haga clic para modificar el estilo de título del patrón</a:t>
             </a:r>
             <a:endParaRPr kumimoji="0" lang="en-US"/>
@@ -992,41 +972,39 @@
         </p:spPr>
         <p:txBody>
           <a:bodyPr vert="eaVert"/>
-          <a:lstStyle>
-            <a:extLst/>
-          </a:lstStyle>
+          <a:lstStyle/>
           <a:p>
             <a:pPr lvl="0" eaLnBrk="1" latinLnBrk="0" hangingPunct="1"/>
             <a:r>
-              <a:rPr lang="es-ES" smtClean="0"/>
+              <a:rPr lang="es-ES"/>
               <a:t>Haga clic para modificar el estilo de texto del patrón</a:t>
             </a:r>
           </a:p>
           <a:p>
             <a:pPr lvl="1" eaLnBrk="1" latinLnBrk="0" hangingPunct="1"/>
             <a:r>
-              <a:rPr lang="es-ES" smtClean="0"/>
+              <a:rPr lang="es-ES"/>
               <a:t>Segundo nivel</a:t>
             </a:r>
           </a:p>
           <a:p>
             <a:pPr lvl="2" eaLnBrk="1" latinLnBrk="0" hangingPunct="1"/>
             <a:r>
-              <a:rPr lang="es-ES" smtClean="0"/>
+              <a:rPr lang="es-ES"/>
               <a:t>Tercer nivel</a:t>
             </a:r>
           </a:p>
           <a:p>
             <a:pPr lvl="3" eaLnBrk="1" latinLnBrk="0" hangingPunct="1"/>
             <a:r>
-              <a:rPr lang="es-ES" smtClean="0"/>
+              <a:rPr lang="es-ES"/>
               <a:t>Cuarto nivel</a:t>
             </a:r>
           </a:p>
           <a:p>
             <a:pPr lvl="4" eaLnBrk="1" latinLnBrk="0" hangingPunct="1"/>
             <a:r>
-              <a:rPr lang="es-ES" smtClean="0"/>
+              <a:rPr lang="es-ES"/>
               <a:t>Quinto nivel</a:t>
             </a:r>
             <a:endParaRPr kumimoji="0" lang="en-US"/>
@@ -1046,13 +1024,11 @@
         <p:spPr/>
         <p:txBody>
           <a:bodyPr/>
-          <a:lstStyle>
-            <a:extLst/>
-          </a:lstStyle>
+          <a:lstStyle/>
           <a:p>
             <a:fld id="{3F2A4CCE-9A57-4F47-8C33-4C2646B0BB60}" type="datetimeFigureOut">
               <a:rPr lang="es-CR" smtClean="0"/>
-              <a:t>16/10/2014</a:t>
+              <a:t>3/6/2024</a:t>
             </a:fld>
             <a:endParaRPr lang="es-CR"/>
           </a:p>
@@ -1071,9 +1047,7 @@
         <p:spPr/>
         <p:txBody>
           <a:bodyPr/>
-          <a:lstStyle>
-            <a:extLst/>
-          </a:lstStyle>
+          <a:lstStyle/>
           <a:p>
             <a:endParaRPr lang="es-CR"/>
           </a:p>
@@ -1092,9 +1066,7 @@
         <p:spPr/>
         <p:txBody>
           <a:bodyPr/>
-          <a:lstStyle>
-            <a:extLst/>
-          </a:lstStyle>
+          <a:lstStyle/>
           <a:p>
             <a:fld id="{84139CB1-C639-43D4-A492-7EC11BEEDE8A}" type="slidenum">
               <a:rPr lang="es-CR" smtClean="0"/>
@@ -1142,12 +1114,10 @@
         <p:spPr/>
         <p:txBody>
           <a:bodyPr/>
-          <a:lstStyle>
-            <a:extLst/>
-          </a:lstStyle>
-          <a:p>
-            <a:r>
-              <a:rPr kumimoji="0" lang="es-ES" smtClean="0"/>
+          <a:lstStyle/>
+          <a:p>
+            <a:r>
+              <a:rPr kumimoji="0" lang="es-ES"/>
               <a:t>Haga clic para modificar el estilo de título del patrón</a:t>
             </a:r>
             <a:endParaRPr kumimoji="0" lang="en-US"/>
@@ -1167,41 +1137,39 @@
         <p:spPr/>
         <p:txBody>
           <a:bodyPr/>
-          <a:lstStyle>
-            <a:extLst/>
-          </a:lstStyle>
+          <a:lstStyle/>
           <a:p>
             <a:pPr lvl="0" eaLnBrk="1" latinLnBrk="0" hangingPunct="1"/>
             <a:r>
-              <a:rPr lang="es-ES" smtClean="0"/>
+              <a:rPr lang="es-ES"/>
               <a:t>Haga clic para modificar el estilo de texto del patrón</a:t>
             </a:r>
           </a:p>
           <a:p>
             <a:pPr lvl="1" eaLnBrk="1" latinLnBrk="0" hangingPunct="1"/>
             <a:r>
-              <a:rPr lang="es-ES" smtClean="0"/>
+              <a:rPr lang="es-ES"/>
               <a:t>Segundo nivel</a:t>
             </a:r>
           </a:p>
           <a:p>
             <a:pPr lvl="2" eaLnBrk="1" latinLnBrk="0" hangingPunct="1"/>
             <a:r>
-              <a:rPr lang="es-ES" smtClean="0"/>
+              <a:rPr lang="es-ES"/>
               <a:t>Tercer nivel</a:t>
             </a:r>
           </a:p>
           <a:p>
             <a:pPr lvl="3" eaLnBrk="1" latinLnBrk="0" hangingPunct="1"/>
             <a:r>
-              <a:rPr lang="es-ES" smtClean="0"/>
+              <a:rPr lang="es-ES"/>
               <a:t>Cuarto nivel</a:t>
             </a:r>
           </a:p>
           <a:p>
             <a:pPr lvl="4" eaLnBrk="1" latinLnBrk="0" hangingPunct="1"/>
             <a:r>
-              <a:rPr lang="es-ES" smtClean="0"/>
+              <a:rPr lang="es-ES"/>
               <a:t>Quinto nivel</a:t>
             </a:r>
             <a:endParaRPr kumimoji="0" lang="en-US"/>
@@ -1221,13 +1189,11 @@
         <p:spPr/>
         <p:txBody>
           <a:bodyPr/>
-          <a:lstStyle>
-            <a:extLst/>
-          </a:lstStyle>
+          <a:lstStyle/>
           <a:p>
             <a:fld id="{3F2A4CCE-9A57-4F47-8C33-4C2646B0BB60}" type="datetimeFigureOut">
               <a:rPr lang="es-CR" smtClean="0"/>
-              <a:t>16/10/2014</a:t>
+              <a:t>3/6/2024</a:t>
             </a:fld>
             <a:endParaRPr lang="es-CR"/>
           </a:p>
@@ -1246,9 +1212,7 @@
         <p:spPr/>
         <p:txBody>
           <a:bodyPr/>
-          <a:lstStyle>
-            <a:extLst/>
-          </a:lstStyle>
+          <a:lstStyle/>
           <a:p>
             <a:endParaRPr lang="es-CR"/>
           </a:p>
@@ -1267,9 +1231,7 @@
         <p:spPr/>
         <p:txBody>
           <a:bodyPr/>
-          <a:lstStyle>
-            <a:extLst/>
-          </a:lstStyle>
+          <a:lstStyle/>
           <a:p>
             <a:fld id="{84139CB1-C639-43D4-A492-7EC11BEEDE8A}" type="slidenum">
               <a:rPr lang="es-CR" smtClean="0"/>
@@ -1397,9 +1359,7 @@
         </p:spPr>
         <p:txBody>
           <a:bodyPr vert="horz" wrap="square" lIns="91440" tIns="45720" rIns="91440" bIns="45720" anchor="t" compatLnSpc="1"/>
-          <a:lstStyle>
-            <a:extLst/>
-          </a:lstStyle>
+          <a:lstStyle/>
           <a:p>
             <a:endParaRPr kumimoji="0" lang="en-US"/>
           </a:p>
@@ -1498,9 +1458,7 @@
         </p:spPr>
         <p:txBody>
           <a:bodyPr vert="horz" wrap="square" lIns="91440" tIns="45720" rIns="91440" bIns="45720" anchor="t" compatLnSpc="1"/>
-          <a:lstStyle>
-            <a:extLst/>
-          </a:lstStyle>
+          <a:lstStyle/>
           <a:p>
             <a:endParaRPr kumimoji="0" lang="en-US"/>
           </a:p>
@@ -1583,9 +1541,7 @@
         </p:spPr>
         <p:txBody>
           <a:bodyPr vert="horz" wrap="square" lIns="91440" tIns="45720" rIns="91440" bIns="45720" anchor="t" compatLnSpc="1"/>
-          <a:lstStyle>
-            <a:extLst/>
-          </a:lstStyle>
+          <a:lstStyle/>
           <a:p>
             <a:endParaRPr kumimoji="0" lang="en-US"/>
           </a:p>
@@ -1668,9 +1624,7 @@
         </p:spPr>
         <p:txBody>
           <a:bodyPr vert="horz" wrap="square" lIns="91440" tIns="45720" rIns="91440" bIns="45720" anchor="t" compatLnSpc="1"/>
-          <a:lstStyle>
-            <a:extLst/>
-          </a:lstStyle>
+          <a:lstStyle/>
           <a:p>
             <a:endParaRPr kumimoji="0" lang="en-US"/>
           </a:p>
@@ -1753,9 +1707,7 @@
         </p:spPr>
         <p:txBody>
           <a:bodyPr vert="horz" wrap="square" lIns="91440" tIns="45720" rIns="91440" bIns="45720" anchor="t" compatLnSpc="1"/>
-          <a:lstStyle>
-            <a:extLst/>
-          </a:lstStyle>
+          <a:lstStyle/>
           <a:p>
             <a:endParaRPr kumimoji="0" lang="en-US"/>
           </a:p>
@@ -1838,9 +1790,7 @@
         </p:spPr>
         <p:txBody>
           <a:bodyPr vert="horz" wrap="square" lIns="91440" tIns="45720" rIns="91440" bIns="45720" anchor="t" compatLnSpc="1"/>
-          <a:lstStyle>
-            <a:extLst/>
-          </a:lstStyle>
+          <a:lstStyle/>
           <a:p>
             <a:endParaRPr kumimoji="0" lang="en-US"/>
           </a:p>
@@ -1923,9 +1873,7 @@
         </p:spPr>
         <p:txBody>
           <a:bodyPr vert="horz" wrap="square" lIns="91440" tIns="45720" rIns="91440" bIns="45720" anchor="t" compatLnSpc="1"/>
-          <a:lstStyle>
-            <a:extLst/>
-          </a:lstStyle>
+          <a:lstStyle/>
           <a:p>
             <a:endParaRPr kumimoji="0" lang="en-US"/>
           </a:p>
@@ -2008,9 +1956,7 @@
         </p:spPr>
         <p:txBody>
           <a:bodyPr vert="horz" wrap="square" lIns="91440" tIns="45720" rIns="91440" bIns="45720" anchor="t" compatLnSpc="1"/>
-          <a:lstStyle>
-            <a:extLst/>
-          </a:lstStyle>
+          <a:lstStyle/>
           <a:p>
             <a:endParaRPr kumimoji="0" lang="en-US"/>
           </a:p>
@@ -2093,9 +2039,7 @@
         </p:spPr>
         <p:txBody>
           <a:bodyPr vert="horz" wrap="square" lIns="91440" tIns="45720" rIns="91440" bIns="45720" anchor="t" compatLnSpc="1"/>
-          <a:lstStyle>
-            <a:extLst/>
-          </a:lstStyle>
+          <a:lstStyle/>
           <a:p>
             <a:endParaRPr kumimoji="0" lang="en-US"/>
           </a:p>
@@ -2178,9 +2122,7 @@
         </p:spPr>
         <p:txBody>
           <a:bodyPr vert="horz" wrap="square" lIns="91440" tIns="45720" rIns="91440" bIns="45720" anchor="t" compatLnSpc="1"/>
-          <a:lstStyle>
-            <a:extLst/>
-          </a:lstStyle>
+          <a:lstStyle/>
           <a:p>
             <a:endParaRPr kumimoji="0" lang="en-US"/>
           </a:p>
@@ -2263,9 +2205,7 @@
         </p:spPr>
         <p:txBody>
           <a:bodyPr vert="horz" wrap="square" lIns="91440" tIns="45720" rIns="91440" bIns="45720" anchor="t" compatLnSpc="1"/>
-          <a:lstStyle>
-            <a:extLst/>
-          </a:lstStyle>
+          <a:lstStyle/>
           <a:p>
             <a:endParaRPr kumimoji="0" lang="en-US"/>
           </a:p>
@@ -2348,9 +2288,7 @@
         </p:spPr>
         <p:txBody>
           <a:bodyPr vert="horz" wrap="square" lIns="91440" tIns="45720" rIns="91440" bIns="45720" anchor="t" compatLnSpc="1"/>
-          <a:lstStyle>
-            <a:extLst/>
-          </a:lstStyle>
+          <a:lstStyle/>
           <a:p>
             <a:endParaRPr kumimoji="0" lang="en-US"/>
           </a:p>
@@ -2433,9 +2371,7 @@
         </p:spPr>
         <p:txBody>
           <a:bodyPr vert="horz" wrap="square" lIns="91440" tIns="45720" rIns="91440" bIns="45720" anchor="t" compatLnSpc="1"/>
-          <a:lstStyle>
-            <a:extLst/>
-          </a:lstStyle>
+          <a:lstStyle/>
           <a:p>
             <a:endParaRPr kumimoji="0" lang="en-US"/>
           </a:p>
@@ -2518,9 +2454,7 @@
         </p:spPr>
         <p:txBody>
           <a:bodyPr vert="horz" wrap="square" lIns="91440" tIns="45720" rIns="91440" bIns="45720" anchor="t" compatLnSpc="1"/>
-          <a:lstStyle>
-            <a:extLst/>
-          </a:lstStyle>
+          <a:lstStyle/>
           <a:p>
             <a:endParaRPr kumimoji="0" lang="en-US"/>
           </a:p>
@@ -2603,9 +2537,7 @@
         </p:spPr>
         <p:txBody>
           <a:bodyPr vert="horz" wrap="square" lIns="91440" tIns="45720" rIns="91440" bIns="45720" anchor="t" compatLnSpc="1"/>
-          <a:lstStyle>
-            <a:extLst/>
-          </a:lstStyle>
+          <a:lstStyle/>
           <a:p>
             <a:endParaRPr kumimoji="0" lang="en-US"/>
           </a:p>
@@ -2685,7 +2617,7 @@
           <a:p>
             <a:pPr lvl="0" eaLnBrk="1" latinLnBrk="0" hangingPunct="1"/>
             <a:r>
-              <a:rPr kumimoji="0" lang="es-ES" smtClean="0"/>
+              <a:rPr kumimoji="0" lang="es-ES"/>
               <a:t>Haga clic para modificar el estilo de texto del patrón</a:t>
             </a:r>
           </a:p>
@@ -2704,13 +2636,11 @@
         <p:spPr/>
         <p:txBody>
           <a:bodyPr/>
-          <a:lstStyle>
-            <a:extLst/>
-          </a:lstStyle>
+          <a:lstStyle/>
           <a:p>
             <a:fld id="{3F2A4CCE-9A57-4F47-8C33-4C2646B0BB60}" type="datetimeFigureOut">
               <a:rPr lang="es-CR" smtClean="0"/>
-              <a:t>16/10/2014</a:t>
+              <a:t>3/6/2024</a:t>
             </a:fld>
             <a:endParaRPr lang="es-CR"/>
           </a:p>
@@ -2729,9 +2659,7 @@
         <p:spPr/>
         <p:txBody>
           <a:bodyPr/>
-          <a:lstStyle>
-            <a:extLst/>
-          </a:lstStyle>
+          <a:lstStyle/>
           <a:p>
             <a:endParaRPr lang="es-CR"/>
           </a:p>
@@ -2750,9 +2678,7 @@
         <p:spPr/>
         <p:txBody>
           <a:bodyPr/>
-          <a:lstStyle>
-            <a:extLst/>
-          </a:lstStyle>
+          <a:lstStyle/>
           <a:p>
             <a:fld id="{84139CB1-C639-43D4-A492-7EC11BEEDE8A}" type="slidenum">
               <a:rPr lang="es-CR" smtClean="0"/>
@@ -2805,9 +2731,7 @@
         </p:style>
         <p:txBody>
           <a:bodyPr anchor="ctr"/>
-          <a:lstStyle>
-            <a:extLst/>
-          </a:lstStyle>
+          <a:lstStyle/>
           <a:p>
             <a:pPr algn="ctr" eaLnBrk="1" latinLnBrk="0" hangingPunct="1"/>
             <a:endParaRPr kumimoji="0" lang="en-US"/>
@@ -2841,7 +2765,7 @@
           </a:lstStyle>
           <a:p>
             <a:r>
-              <a:rPr kumimoji="0" lang="es-ES" smtClean="0"/>
+              <a:rPr kumimoji="0" lang="es-ES"/>
               <a:t>Haga clic para modificar el estilo de título del patrón</a:t>
             </a:r>
             <a:endParaRPr kumimoji="0" lang="en-US"/>
@@ -2887,9 +2811,7 @@
         </p:style>
         <p:txBody>
           <a:bodyPr anchor="ctr"/>
-          <a:lstStyle>
-            <a:extLst/>
-          </a:lstStyle>
+          <a:lstStyle/>
           <a:p>
             <a:pPr algn="ctr" eaLnBrk="1" latinLnBrk="0" hangingPunct="1"/>
             <a:endParaRPr kumimoji="0" lang="en-US" dirty="0"/>
@@ -2935,9 +2857,7 @@
         </p:style>
         <p:txBody>
           <a:bodyPr anchor="ctr"/>
-          <a:lstStyle>
-            <a:extLst/>
-          </a:lstStyle>
+          <a:lstStyle/>
           <a:p>
             <a:pPr algn="ctr" eaLnBrk="1" latinLnBrk="0" hangingPunct="1"/>
             <a:endParaRPr kumimoji="0" lang="en-US" dirty="0"/>
@@ -2983,9 +2903,7 @@
         </p:style>
         <p:txBody>
           <a:bodyPr anchor="ctr"/>
-          <a:lstStyle>
-            <a:extLst/>
-          </a:lstStyle>
+          <a:lstStyle/>
           <a:p>
             <a:pPr algn="ctr" eaLnBrk="1" latinLnBrk="0" hangingPunct="1"/>
             <a:endParaRPr kumimoji="0" lang="en-US"/>
@@ -3031,9 +2949,7 @@
         </p:style>
         <p:txBody>
           <a:bodyPr anchor="ctr"/>
-          <a:lstStyle>
-            <a:extLst/>
-          </a:lstStyle>
+          <a:lstStyle/>
           <a:p>
             <a:pPr algn="ctr" eaLnBrk="1" latinLnBrk="0" hangingPunct="1"/>
             <a:endParaRPr kumimoji="0" lang="en-US" dirty="0"/>
@@ -3079,9 +2995,7 @@
         </p:style>
         <p:txBody>
           <a:bodyPr anchor="ctr"/>
-          <a:lstStyle>
-            <a:extLst/>
-          </a:lstStyle>
+          <a:lstStyle/>
           <a:p>
             <a:pPr algn="ctr" eaLnBrk="1" latinLnBrk="0" hangingPunct="1"/>
             <a:endParaRPr kumimoji="0" lang="en-US" dirty="0"/>
@@ -3131,12 +3045,10 @@
         </p:spPr>
         <p:txBody>
           <a:bodyPr/>
-          <a:lstStyle>
-            <a:extLst/>
-          </a:lstStyle>
-          <a:p>
-            <a:r>
-              <a:rPr kumimoji="0" lang="es-ES" smtClean="0"/>
+          <a:lstStyle/>
+          <a:p>
+            <a:r>
+              <a:rPr kumimoji="0" lang="es-ES"/>
               <a:t>Haga clic para modificar el estilo de título del patrón</a:t>
             </a:r>
             <a:endParaRPr kumimoji="0" lang="en-US"/>
@@ -3182,35 +3094,35 @@
           <a:p>
             <a:pPr lvl="0" eaLnBrk="1" latinLnBrk="0" hangingPunct="1"/>
             <a:r>
-              <a:rPr lang="es-ES" smtClean="0"/>
+              <a:rPr lang="es-ES"/>
               <a:t>Haga clic para modificar el estilo de texto del patrón</a:t>
             </a:r>
           </a:p>
           <a:p>
             <a:pPr lvl="1" eaLnBrk="1" latinLnBrk="0" hangingPunct="1"/>
             <a:r>
-              <a:rPr lang="es-ES" smtClean="0"/>
+              <a:rPr lang="es-ES"/>
               <a:t>Segundo nivel</a:t>
             </a:r>
           </a:p>
           <a:p>
             <a:pPr lvl="2" eaLnBrk="1" latinLnBrk="0" hangingPunct="1"/>
             <a:r>
-              <a:rPr lang="es-ES" smtClean="0"/>
+              <a:rPr lang="es-ES"/>
               <a:t>Tercer nivel</a:t>
             </a:r>
           </a:p>
           <a:p>
             <a:pPr lvl="3" eaLnBrk="1" latinLnBrk="0" hangingPunct="1"/>
             <a:r>
-              <a:rPr lang="es-ES" smtClean="0"/>
+              <a:rPr lang="es-ES"/>
               <a:t>Cuarto nivel</a:t>
             </a:r>
           </a:p>
           <a:p>
             <a:pPr lvl="4" eaLnBrk="1" latinLnBrk="0" hangingPunct="1"/>
             <a:r>
-              <a:rPr lang="es-ES" smtClean="0"/>
+              <a:rPr lang="es-ES"/>
               <a:t>Quinto nivel</a:t>
             </a:r>
             <a:endParaRPr kumimoji="0" lang="en-US"/>
@@ -3256,35 +3168,35 @@
           <a:p>
             <a:pPr lvl="0" eaLnBrk="1" latinLnBrk="0" hangingPunct="1"/>
             <a:r>
-              <a:rPr lang="es-ES" smtClean="0"/>
+              <a:rPr lang="es-ES"/>
               <a:t>Haga clic para modificar el estilo de texto del patrón</a:t>
             </a:r>
           </a:p>
           <a:p>
             <a:pPr lvl="1" eaLnBrk="1" latinLnBrk="0" hangingPunct="1"/>
             <a:r>
-              <a:rPr lang="es-ES" smtClean="0"/>
+              <a:rPr lang="es-ES"/>
               <a:t>Segundo nivel</a:t>
             </a:r>
           </a:p>
           <a:p>
             <a:pPr lvl="2" eaLnBrk="1" latinLnBrk="0" hangingPunct="1"/>
             <a:r>
-              <a:rPr lang="es-ES" smtClean="0"/>
+              <a:rPr lang="es-ES"/>
               <a:t>Tercer nivel</a:t>
             </a:r>
           </a:p>
           <a:p>
             <a:pPr lvl="3" eaLnBrk="1" latinLnBrk="0" hangingPunct="1"/>
             <a:r>
-              <a:rPr lang="es-ES" smtClean="0"/>
+              <a:rPr lang="es-ES"/>
               <a:t>Cuarto nivel</a:t>
             </a:r>
           </a:p>
           <a:p>
             <a:pPr lvl="4" eaLnBrk="1" latinLnBrk="0" hangingPunct="1"/>
             <a:r>
-              <a:rPr lang="es-ES" smtClean="0"/>
+              <a:rPr lang="es-ES"/>
               <a:t>Quinto nivel</a:t>
             </a:r>
             <a:endParaRPr kumimoji="0" lang="en-US"/>
@@ -3304,13 +3216,11 @@
         <p:spPr/>
         <p:txBody>
           <a:bodyPr/>
-          <a:lstStyle>
-            <a:extLst/>
-          </a:lstStyle>
+          <a:lstStyle/>
           <a:p>
             <a:fld id="{3F2A4CCE-9A57-4F47-8C33-4C2646B0BB60}" type="datetimeFigureOut">
               <a:rPr lang="es-CR" smtClean="0"/>
-              <a:t>16/10/2014</a:t>
+              <a:t>3/6/2024</a:t>
             </a:fld>
             <a:endParaRPr lang="es-CR"/>
           </a:p>
@@ -3329,9 +3239,7 @@
         <p:spPr/>
         <p:txBody>
           <a:bodyPr/>
-          <a:lstStyle>
-            <a:extLst/>
-          </a:lstStyle>
+          <a:lstStyle/>
           <a:p>
             <a:endParaRPr lang="es-CR"/>
           </a:p>
@@ -3350,9 +3258,7 @@
         <p:spPr/>
         <p:txBody>
           <a:bodyPr/>
-          <a:lstStyle>
-            <a:extLst/>
-          </a:lstStyle>
+          <a:lstStyle/>
           <a:p>
             <a:fld id="{84139CB1-C639-43D4-A492-7EC11BEEDE8A}" type="slidenum">
               <a:rPr lang="es-CR" smtClean="0"/>
@@ -3430,9 +3336,7 @@
         </p:style>
         <p:txBody>
           <a:bodyPr anchor="ctr"/>
-          <a:lstStyle>
-            <a:extLst/>
-          </a:lstStyle>
+          <a:lstStyle/>
           <a:p>
             <a:pPr algn="ctr" eaLnBrk="1" latinLnBrk="0" hangingPunct="1"/>
             <a:endParaRPr kumimoji="0" lang="en-US"/>
@@ -3465,7 +3369,7 @@
           </a:lstStyle>
           <a:p>
             <a:r>
-              <a:rPr kumimoji="0" lang="es-ES" smtClean="0"/>
+              <a:rPr kumimoji="0" lang="es-ES"/>
               <a:t>Haga clic para modificar el estilo de título del patrón</a:t>
             </a:r>
             <a:endParaRPr kumimoji="0" lang="en-US"/>
@@ -3520,7 +3424,7 @@
           <a:p>
             <a:pPr lvl="0" eaLnBrk="1" latinLnBrk="0" hangingPunct="1"/>
             <a:r>
-              <a:rPr kumimoji="0" lang="es-ES" smtClean="0"/>
+              <a:rPr kumimoji="0" lang="es-ES"/>
               <a:t>Haga clic para modificar el estilo de texto del patrón</a:t>
             </a:r>
           </a:p>
@@ -3574,7 +3478,7 @@
           <a:p>
             <a:pPr lvl="0" eaLnBrk="1" latinLnBrk="0" hangingPunct="1"/>
             <a:r>
-              <a:rPr kumimoji="0" lang="es-ES" smtClean="0"/>
+              <a:rPr kumimoji="0" lang="es-ES"/>
               <a:t>Haga clic para modificar el estilo de texto del patrón</a:t>
             </a:r>
           </a:p>
@@ -3619,35 +3523,35 @@
           <a:p>
             <a:pPr lvl="0" eaLnBrk="1" latinLnBrk="0" hangingPunct="1"/>
             <a:r>
-              <a:rPr lang="es-ES" smtClean="0"/>
+              <a:rPr lang="es-ES"/>
               <a:t>Haga clic para modificar el estilo de texto del patrón</a:t>
             </a:r>
           </a:p>
           <a:p>
             <a:pPr lvl="1" eaLnBrk="1" latinLnBrk="0" hangingPunct="1"/>
             <a:r>
-              <a:rPr lang="es-ES" smtClean="0"/>
+              <a:rPr lang="es-ES"/>
               <a:t>Segundo nivel</a:t>
             </a:r>
           </a:p>
           <a:p>
             <a:pPr lvl="2" eaLnBrk="1" latinLnBrk="0" hangingPunct="1"/>
             <a:r>
-              <a:rPr lang="es-ES" smtClean="0"/>
+              <a:rPr lang="es-ES"/>
               <a:t>Tercer nivel</a:t>
             </a:r>
           </a:p>
           <a:p>
             <a:pPr lvl="3" eaLnBrk="1" latinLnBrk="0" hangingPunct="1"/>
             <a:r>
-              <a:rPr lang="es-ES" smtClean="0"/>
+              <a:rPr lang="es-ES"/>
               <a:t>Cuarto nivel</a:t>
             </a:r>
           </a:p>
           <a:p>
             <a:pPr lvl="4" eaLnBrk="1" latinLnBrk="0" hangingPunct="1"/>
             <a:r>
-              <a:rPr lang="es-ES" smtClean="0"/>
+              <a:rPr lang="es-ES"/>
               <a:t>Quinto nivel</a:t>
             </a:r>
             <a:endParaRPr kumimoji="0" lang="en-US"/>
@@ -3693,35 +3597,35 @@
           <a:p>
             <a:pPr lvl="0" eaLnBrk="1" latinLnBrk="0" hangingPunct="1"/>
             <a:r>
-              <a:rPr lang="es-ES" smtClean="0"/>
+              <a:rPr lang="es-ES"/>
               <a:t>Haga clic para modificar el estilo de texto del patrón</a:t>
             </a:r>
           </a:p>
           <a:p>
             <a:pPr lvl="1" eaLnBrk="1" latinLnBrk="0" hangingPunct="1"/>
             <a:r>
-              <a:rPr lang="es-ES" smtClean="0"/>
+              <a:rPr lang="es-ES"/>
               <a:t>Segundo nivel</a:t>
             </a:r>
           </a:p>
           <a:p>
             <a:pPr lvl="2" eaLnBrk="1" latinLnBrk="0" hangingPunct="1"/>
             <a:r>
-              <a:rPr lang="es-ES" smtClean="0"/>
+              <a:rPr lang="es-ES"/>
               <a:t>Tercer nivel</a:t>
             </a:r>
           </a:p>
           <a:p>
             <a:pPr lvl="3" eaLnBrk="1" latinLnBrk="0" hangingPunct="1"/>
             <a:r>
-              <a:rPr lang="es-ES" smtClean="0"/>
+              <a:rPr lang="es-ES"/>
               <a:t>Cuarto nivel</a:t>
             </a:r>
           </a:p>
           <a:p>
             <a:pPr lvl="4" eaLnBrk="1" latinLnBrk="0" hangingPunct="1"/>
             <a:r>
-              <a:rPr lang="es-ES" smtClean="0"/>
+              <a:rPr lang="es-ES"/>
               <a:t>Quinto nivel</a:t>
             </a:r>
             <a:endParaRPr kumimoji="0" lang="en-US"/>
@@ -3741,13 +3645,11 @@
         <p:spPr/>
         <p:txBody>
           <a:bodyPr/>
-          <a:lstStyle>
-            <a:extLst/>
-          </a:lstStyle>
+          <a:lstStyle/>
           <a:p>
             <a:fld id="{3F2A4CCE-9A57-4F47-8C33-4C2646B0BB60}" type="datetimeFigureOut">
               <a:rPr lang="es-CR" smtClean="0"/>
-              <a:t>16/10/2014</a:t>
+              <a:t>3/6/2024</a:t>
             </a:fld>
             <a:endParaRPr lang="es-CR"/>
           </a:p>
@@ -3766,9 +3668,7 @@
         <p:spPr/>
         <p:txBody>
           <a:bodyPr/>
-          <a:lstStyle>
-            <a:extLst/>
-          </a:lstStyle>
+          <a:lstStyle/>
           <a:p>
             <a:endParaRPr lang="es-CR"/>
           </a:p>
@@ -3787,9 +3687,7 @@
         <p:spPr/>
         <p:txBody>
           <a:bodyPr/>
-          <a:lstStyle>
-            <a:extLst/>
-          </a:lstStyle>
+          <a:lstStyle/>
           <a:p>
             <a:fld id="{84139CB1-C639-43D4-A492-7EC11BEEDE8A}" type="slidenum">
               <a:rPr lang="es-CR" smtClean="0"/>
@@ -3838,9 +3736,7 @@
         </p:style>
         <p:txBody>
           <a:bodyPr anchor="ctr"/>
-          <a:lstStyle>
-            <a:extLst/>
-          </a:lstStyle>
+          <a:lstStyle/>
           <a:p>
             <a:pPr algn="ctr" eaLnBrk="1" latinLnBrk="0" hangingPunct="1"/>
             <a:endParaRPr kumimoji="0" lang="en-US" dirty="0"/>
@@ -3886,9 +3782,7 @@
         </p:style>
         <p:txBody>
           <a:bodyPr anchor="ctr"/>
-          <a:lstStyle>
-            <a:extLst/>
-          </a:lstStyle>
+          <a:lstStyle/>
           <a:p>
             <a:pPr algn="ctr" eaLnBrk="1" latinLnBrk="0" hangingPunct="1"/>
             <a:endParaRPr kumimoji="0" lang="en-US" dirty="0"/>
@@ -3934,9 +3828,7 @@
         </p:style>
         <p:txBody>
           <a:bodyPr anchor="ctr"/>
-          <a:lstStyle>
-            <a:extLst/>
-          </a:lstStyle>
+          <a:lstStyle/>
           <a:p>
             <a:pPr algn="ctr" eaLnBrk="1" latinLnBrk="0" hangingPunct="1"/>
             <a:endParaRPr kumimoji="0" lang="en-US"/>
@@ -3982,9 +3874,7 @@
         </p:style>
         <p:txBody>
           <a:bodyPr anchor="ctr"/>
-          <a:lstStyle>
-            <a:extLst/>
-          </a:lstStyle>
+          <a:lstStyle/>
           <a:p>
             <a:pPr algn="ctr" eaLnBrk="1" latinLnBrk="0" hangingPunct="1"/>
             <a:endParaRPr kumimoji="0" lang="en-US" dirty="0"/>
@@ -4030,9 +3920,7 @@
         </p:style>
         <p:txBody>
           <a:bodyPr anchor="ctr"/>
-          <a:lstStyle>
-            <a:extLst/>
-          </a:lstStyle>
+          <a:lstStyle/>
           <a:p>
             <a:pPr algn="ctr" eaLnBrk="1" latinLnBrk="0" hangingPunct="1"/>
             <a:endParaRPr kumimoji="0" lang="en-US" dirty="0"/>
@@ -4078,9 +3966,7 @@
         </p:style>
         <p:txBody>
           <a:bodyPr anchor="ctr"/>
-          <a:lstStyle>
-            <a:extLst/>
-          </a:lstStyle>
+          <a:lstStyle/>
           <a:p>
             <a:pPr algn="ctr" eaLnBrk="1" latinLnBrk="0" hangingPunct="1"/>
             <a:endParaRPr kumimoji="0" lang="en-US" dirty="0"/>
@@ -4126,9 +4012,7 @@
         </p:style>
         <p:txBody>
           <a:bodyPr anchor="ctr"/>
-          <a:lstStyle>
-            <a:extLst/>
-          </a:lstStyle>
+          <a:lstStyle/>
           <a:p>
             <a:pPr algn="ctr" eaLnBrk="1" latinLnBrk="0" hangingPunct="1"/>
             <a:endParaRPr kumimoji="0" lang="en-US"/>
@@ -4174,9 +4058,7 @@
         </p:style>
         <p:txBody>
           <a:bodyPr anchor="ctr"/>
-          <a:lstStyle>
-            <a:extLst/>
-          </a:lstStyle>
+          <a:lstStyle/>
           <a:p>
             <a:pPr algn="ctr" eaLnBrk="1" latinLnBrk="0" hangingPunct="1"/>
             <a:endParaRPr kumimoji="0" lang="en-US" dirty="0"/>
@@ -4222,9 +4104,7 @@
         </p:style>
         <p:txBody>
           <a:bodyPr anchor="ctr"/>
-          <a:lstStyle>
-            <a:extLst/>
-          </a:lstStyle>
+          <a:lstStyle/>
           <a:p>
             <a:pPr algn="ctr" eaLnBrk="1" latinLnBrk="0" hangingPunct="1"/>
             <a:endParaRPr kumimoji="0" lang="en-US" dirty="0"/>
@@ -4282,7 +4162,7 @@
           </a:lstStyle>
           <a:p>
             <a:r>
-              <a:rPr kumimoji="0" lang="es-ES" smtClean="0"/>
+              <a:rPr kumimoji="0" lang="es-ES"/>
               <a:t>Haga clic para modificar el estilo de título del patrón</a:t>
             </a:r>
             <a:endParaRPr kumimoji="0" lang="en-US"/>
@@ -4302,13 +4182,11 @@
         <p:spPr/>
         <p:txBody>
           <a:bodyPr/>
-          <a:lstStyle>
-            <a:extLst/>
-          </a:lstStyle>
+          <a:lstStyle/>
           <a:p>
             <a:fld id="{3F2A4CCE-9A57-4F47-8C33-4C2646B0BB60}" type="datetimeFigureOut">
               <a:rPr lang="es-CR" smtClean="0"/>
-              <a:t>16/10/2014</a:t>
+              <a:t>3/6/2024</a:t>
             </a:fld>
             <a:endParaRPr lang="es-CR"/>
           </a:p>
@@ -4327,9 +4205,7 @@
         <p:spPr/>
         <p:txBody>
           <a:bodyPr/>
-          <a:lstStyle>
-            <a:extLst/>
-          </a:lstStyle>
+          <a:lstStyle/>
           <a:p>
             <a:endParaRPr lang="es-CR"/>
           </a:p>
@@ -4348,9 +4224,7 @@
         <p:spPr/>
         <p:txBody>
           <a:bodyPr/>
-          <a:lstStyle>
-            <a:extLst/>
-          </a:lstStyle>
+          <a:lstStyle/>
           <a:p>
             <a:fld id="{84139CB1-C639-43D4-A492-7EC11BEEDE8A}" type="slidenum">
               <a:rPr lang="es-CR" smtClean="0"/>
@@ -4398,13 +4272,11 @@
         <p:spPr/>
         <p:txBody>
           <a:bodyPr/>
-          <a:lstStyle>
-            <a:extLst/>
-          </a:lstStyle>
+          <a:lstStyle/>
           <a:p>
             <a:fld id="{3F2A4CCE-9A57-4F47-8C33-4C2646B0BB60}" type="datetimeFigureOut">
               <a:rPr lang="es-CR" smtClean="0"/>
-              <a:t>16/10/2014</a:t>
+              <a:t>3/6/2024</a:t>
             </a:fld>
             <a:endParaRPr lang="es-CR"/>
           </a:p>
@@ -4423,9 +4295,7 @@
         <p:spPr/>
         <p:txBody>
           <a:bodyPr/>
-          <a:lstStyle>
-            <a:extLst/>
-          </a:lstStyle>
+          <a:lstStyle/>
           <a:p>
             <a:endParaRPr lang="es-CR"/>
           </a:p>
@@ -4444,9 +4314,7 @@
         <p:spPr/>
         <p:txBody>
           <a:bodyPr/>
-          <a:lstStyle>
-            <a:extLst/>
-          </a:lstStyle>
+          <a:lstStyle/>
           <a:p>
             <a:fld id="{84139CB1-C639-43D4-A492-7EC11BEEDE8A}" type="slidenum">
               <a:rPr lang="es-CR" smtClean="0"/>
@@ -4508,7 +4376,7 @@
           </a:lstStyle>
           <a:p>
             <a:r>
-              <a:rPr kumimoji="0" lang="es-ES" smtClean="0"/>
+              <a:rPr kumimoji="0" lang="es-ES"/>
               <a:t>Haga clic para modificar el estilo de título del patrón</a:t>
             </a:r>
             <a:endParaRPr kumimoji="0" lang="en-US"/>
@@ -4559,7 +4427,7 @@
           <a:p>
             <a:pPr lvl="0" eaLnBrk="1" latinLnBrk="0" hangingPunct="1"/>
             <a:r>
-              <a:rPr kumimoji="0" lang="es-ES" smtClean="0"/>
+              <a:rPr kumimoji="0" lang="es-ES"/>
               <a:t>Haga clic para modificar el estilo de texto del patrón</a:t>
             </a:r>
           </a:p>
@@ -4604,35 +4472,35 @@
           <a:p>
             <a:pPr lvl="0" eaLnBrk="1" latinLnBrk="0" hangingPunct="1"/>
             <a:r>
-              <a:rPr lang="es-ES" smtClean="0"/>
+              <a:rPr lang="es-ES"/>
               <a:t>Haga clic para modificar el estilo de texto del patrón</a:t>
             </a:r>
           </a:p>
           <a:p>
             <a:pPr lvl="1" eaLnBrk="1" latinLnBrk="0" hangingPunct="1"/>
             <a:r>
-              <a:rPr lang="es-ES" smtClean="0"/>
+              <a:rPr lang="es-ES"/>
               <a:t>Segundo nivel</a:t>
             </a:r>
           </a:p>
           <a:p>
             <a:pPr lvl="2" eaLnBrk="1" latinLnBrk="0" hangingPunct="1"/>
             <a:r>
-              <a:rPr lang="es-ES" smtClean="0"/>
+              <a:rPr lang="es-ES"/>
               <a:t>Tercer nivel</a:t>
             </a:r>
           </a:p>
           <a:p>
             <a:pPr lvl="3" eaLnBrk="1" latinLnBrk="0" hangingPunct="1"/>
             <a:r>
-              <a:rPr lang="es-ES" smtClean="0"/>
+              <a:rPr lang="es-ES"/>
               <a:t>Cuarto nivel</a:t>
             </a:r>
           </a:p>
           <a:p>
             <a:pPr lvl="4" eaLnBrk="1" latinLnBrk="0" hangingPunct="1"/>
             <a:r>
-              <a:rPr lang="es-ES" smtClean="0"/>
+              <a:rPr lang="es-ES"/>
               <a:t>Quinto nivel</a:t>
             </a:r>
             <a:endParaRPr kumimoji="0" lang="en-US"/>
@@ -4652,13 +4520,11 @@
         <p:spPr/>
         <p:txBody>
           <a:bodyPr/>
-          <a:lstStyle>
-            <a:extLst/>
-          </a:lstStyle>
+          <a:lstStyle/>
           <a:p>
             <a:fld id="{3F2A4CCE-9A57-4F47-8C33-4C2646B0BB60}" type="datetimeFigureOut">
               <a:rPr lang="es-CR" smtClean="0"/>
-              <a:t>16/10/2014</a:t>
+              <a:t>3/6/2024</a:t>
             </a:fld>
             <a:endParaRPr lang="es-CR"/>
           </a:p>
@@ -4677,9 +4543,7 @@
         <p:spPr/>
         <p:txBody>
           <a:bodyPr/>
-          <a:lstStyle>
-            <a:extLst/>
-          </a:lstStyle>
+          <a:lstStyle/>
           <a:p>
             <a:endParaRPr lang="es-CR"/>
           </a:p>
@@ -4698,9 +4562,7 @@
         <p:spPr/>
         <p:txBody>
           <a:bodyPr/>
-          <a:lstStyle>
-            <a:extLst/>
-          </a:lstStyle>
+          <a:lstStyle/>
           <a:p>
             <a:fld id="{84139CB1-C639-43D4-A492-7EC11BEEDE8A}" type="slidenum">
               <a:rPr lang="es-CR" smtClean="0"/>
@@ -4776,9 +4638,7 @@
         </p:style>
         <p:txBody>
           <a:bodyPr anchor="ctr"/>
-          <a:lstStyle>
-            <a:extLst/>
-          </a:lstStyle>
+          <a:lstStyle/>
           <a:p>
             <a:pPr algn="ctr" eaLnBrk="1" latinLnBrk="0" hangingPunct="1"/>
             <a:endParaRPr kumimoji="0" lang="en-US"/>
@@ -4988,7 +4848,7 @@
           </a:lstStyle>
           <a:p>
             <a:r>
-              <a:rPr kumimoji="0" lang="es-ES" smtClean="0"/>
+              <a:rPr kumimoji="0" lang="es-ES"/>
               <a:t>Haga clic para modificar el estilo de título del patrón</a:t>
             </a:r>
             <a:endParaRPr kumimoji="0" lang="en-US"/>
@@ -5025,7 +4885,7 @@
           </a:lstStyle>
           <a:p>
             <a:r>
-              <a:rPr kumimoji="0" lang="es-ES" smtClean="0"/>
+              <a:rPr kumimoji="0" lang="es-ES"/>
               <a:t>Haga clic en el icono para agregar una imagen</a:t>
             </a:r>
             <a:endParaRPr kumimoji="0" lang="en-US"/>
@@ -5079,7 +4939,7 @@
           <a:p>
             <a:pPr lvl="0" eaLnBrk="1" latinLnBrk="0" hangingPunct="1"/>
             <a:r>
-              <a:rPr kumimoji="0" lang="es-ES" smtClean="0"/>
+              <a:rPr kumimoji="0" lang="es-ES"/>
               <a:t>Haga clic para modificar el estilo de texto del patrón</a:t>
             </a:r>
           </a:p>
@@ -5373,13 +5233,11 @@
         </p:spPr>
         <p:txBody>
           <a:bodyPr/>
-          <a:lstStyle>
-            <a:extLst/>
-          </a:lstStyle>
+          <a:lstStyle/>
           <a:p>
             <a:fld id="{3F2A4CCE-9A57-4F47-8C33-4C2646B0BB60}" type="datetimeFigureOut">
               <a:rPr lang="es-CR" smtClean="0"/>
-              <a:t>16/10/2014</a:t>
+              <a:t>3/6/2024</a:t>
             </a:fld>
             <a:endParaRPr lang="es-CR"/>
           </a:p>
@@ -5403,9 +5261,7 @@
         </p:spPr>
         <p:txBody>
           <a:bodyPr/>
-          <a:lstStyle>
-            <a:extLst/>
-          </a:lstStyle>
+          <a:lstStyle/>
           <a:p>
             <a:endParaRPr lang="es-CR"/>
           </a:p>
@@ -5429,9 +5285,7 @@
         </p:spPr>
         <p:txBody>
           <a:bodyPr/>
-          <a:lstStyle>
-            <a:extLst/>
-          </a:lstStyle>
+          <a:lstStyle/>
           <a:p>
             <a:fld id="{84139CB1-C639-43D4-A492-7EC11BEEDE8A}" type="slidenum">
               <a:rPr lang="es-CR" smtClean="0"/>
@@ -5512,9 +5366,7 @@
         </p:style>
         <p:txBody>
           <a:bodyPr anchor="ctr"/>
-          <a:lstStyle>
-            <a:extLst/>
-          </a:lstStyle>
+          <a:lstStyle/>
           <a:p>
             <a:pPr algn="ctr" eaLnBrk="1" latinLnBrk="0" hangingPunct="1"/>
             <a:endParaRPr kumimoji="0" lang="en-US"/>
@@ -5562,9 +5414,7 @@
         </p:style>
         <p:txBody>
           <a:bodyPr anchor="ctr"/>
-          <a:lstStyle>
-            <a:extLst/>
-          </a:lstStyle>
+          <a:lstStyle/>
           <a:p>
             <a:pPr algn="ctr" eaLnBrk="1" latinLnBrk="0" hangingPunct="1"/>
             <a:endParaRPr kumimoji="0" lang="en-US"/>
@@ -5612,9 +5462,7 @@
         </p:style>
         <p:txBody>
           <a:bodyPr anchor="ctr"/>
-          <a:lstStyle>
-            <a:extLst/>
-          </a:lstStyle>
+          <a:lstStyle/>
           <a:p>
             <a:pPr algn="ctr" eaLnBrk="1" latinLnBrk="0" hangingPunct="1"/>
             <a:endParaRPr kumimoji="0" lang="en-US"/>
@@ -5660,9 +5508,7 @@
         </p:style>
         <p:txBody>
           <a:bodyPr anchor="ctr"/>
-          <a:lstStyle>
-            <a:extLst/>
-          </a:lstStyle>
+          <a:lstStyle/>
           <a:p>
             <a:pPr algn="ctr" eaLnBrk="1" latinLnBrk="0" hangingPunct="1"/>
             <a:endParaRPr kumimoji="0" lang="en-US"/>
@@ -5710,9 +5556,7 @@
         </p:style>
         <p:txBody>
           <a:bodyPr anchor="ctr"/>
-          <a:lstStyle>
-            <a:extLst/>
-          </a:lstStyle>
+          <a:lstStyle/>
           <a:p>
             <a:pPr algn="ctr" eaLnBrk="1" latinLnBrk="0" hangingPunct="1"/>
             <a:endParaRPr kumimoji="0" lang="en-US" dirty="0"/>
@@ -5760,9 +5604,7 @@
         </p:style>
         <p:txBody>
           <a:bodyPr anchor="ctr"/>
-          <a:lstStyle>
-            <a:extLst/>
-          </a:lstStyle>
+          <a:lstStyle/>
           <a:p>
             <a:pPr algn="ctr" eaLnBrk="1" latinLnBrk="0" hangingPunct="1"/>
             <a:endParaRPr kumimoji="0" lang="en-US" dirty="0"/>
@@ -5810,9 +5652,7 @@
         </p:style>
         <p:txBody>
           <a:bodyPr anchor="ctr"/>
-          <a:lstStyle>
-            <a:extLst/>
-          </a:lstStyle>
+          <a:lstStyle/>
           <a:p>
             <a:pPr algn="ctr" eaLnBrk="1" latinLnBrk="0" hangingPunct="1"/>
             <a:endParaRPr kumimoji="0" lang="en-US" dirty="0"/>
@@ -5860,9 +5700,7 @@
         </p:style>
         <p:txBody>
           <a:bodyPr anchor="ctr"/>
-          <a:lstStyle>
-            <a:extLst/>
-          </a:lstStyle>
+          <a:lstStyle/>
           <a:p>
             <a:pPr algn="ctr" eaLnBrk="1" latinLnBrk="0" hangingPunct="1"/>
             <a:endParaRPr kumimoji="0" lang="en-US"/>
@@ -5910,9 +5748,7 @@
         </p:style>
         <p:txBody>
           <a:bodyPr anchor="ctr"/>
-          <a:lstStyle>
-            <a:extLst/>
-          </a:lstStyle>
+          <a:lstStyle/>
           <a:p>
             <a:pPr algn="ctr" eaLnBrk="1" latinLnBrk="0" hangingPunct="1"/>
             <a:endParaRPr kumimoji="0" lang="en-US" dirty="0"/>
@@ -5942,12 +5778,10 @@
           <a:bodyPr vert="horz" anchor="t">
             <a:noAutofit/>
           </a:bodyPr>
-          <a:lstStyle>
-            <a:extLst/>
-          </a:lstStyle>
-          <a:p>
-            <a:r>
-              <a:rPr kumimoji="0" lang="es-ES" smtClean="0"/>
+          <a:lstStyle/>
+          <a:p>
+            <a:r>
+              <a:rPr kumimoji="0" lang="es-ES"/>
               <a:t>Haga clic para modificar el estilo de título del patrón</a:t>
             </a:r>
             <a:endParaRPr kumimoji="0" lang="en-US"/>
@@ -5977,41 +5811,39 @@
           <a:bodyPr vert="horz">
             <a:normAutofit/>
           </a:bodyPr>
-          <a:lstStyle>
-            <a:extLst/>
-          </a:lstStyle>
+          <a:lstStyle/>
           <a:p>
             <a:pPr lvl="0" eaLnBrk="1" latinLnBrk="0" hangingPunct="1"/>
             <a:r>
-              <a:rPr kumimoji="0" lang="es-ES" smtClean="0"/>
+              <a:rPr kumimoji="0" lang="es-ES"/>
               <a:t>Haga clic para modificar el estilo de texto del patrón</a:t>
             </a:r>
           </a:p>
           <a:p>
             <a:pPr lvl="1" eaLnBrk="1" latinLnBrk="0" hangingPunct="1"/>
             <a:r>
-              <a:rPr kumimoji="0" lang="es-ES" smtClean="0"/>
+              <a:rPr kumimoji="0" lang="es-ES"/>
               <a:t>Segundo nivel</a:t>
             </a:r>
           </a:p>
           <a:p>
             <a:pPr lvl="2" eaLnBrk="1" latinLnBrk="0" hangingPunct="1"/>
             <a:r>
-              <a:rPr kumimoji="0" lang="es-ES" smtClean="0"/>
+              <a:rPr kumimoji="0" lang="es-ES"/>
               <a:t>Tercer nivel</a:t>
             </a:r>
           </a:p>
           <a:p>
             <a:pPr lvl="3" eaLnBrk="1" latinLnBrk="0" hangingPunct="1"/>
             <a:r>
-              <a:rPr kumimoji="0" lang="es-ES" smtClean="0"/>
+              <a:rPr kumimoji="0" lang="es-ES"/>
               <a:t>Cuarto nivel</a:t>
             </a:r>
           </a:p>
           <a:p>
             <a:pPr lvl="4" eaLnBrk="1" latinLnBrk="0" hangingPunct="1"/>
             <a:r>
-              <a:rPr kumimoji="0" lang="es-ES" smtClean="0"/>
+              <a:rPr kumimoji="0" lang="es-ES"/>
               <a:t>Quinto nivel</a:t>
             </a:r>
             <a:endParaRPr kumimoji="0" lang="en-US"/>
@@ -6052,7 +5884,7 @@
           <a:p>
             <a:fld id="{3F2A4CCE-9A57-4F47-8C33-4C2646B0BB60}" type="datetimeFigureOut">
               <a:rPr lang="es-CR" smtClean="0"/>
-              <a:t>16/10/2014</a:t>
+              <a:t>3/6/2024</a:t>
             </a:fld>
             <a:endParaRPr lang="es-CR"/>
           </a:p>
@@ -6472,10 +6304,9 @@
           <a:lstStyle/>
           <a:p>
             <a:r>
-              <a:rPr lang="es-CR" dirty="0" smtClean="0"/>
+              <a:rPr lang="es-CR" dirty="0"/>
               <a:t>Lección #3: Tipos de Datos</a:t>
             </a:r>
-            <a:endParaRPr lang="es-CR" dirty="0"/>
           </a:p>
         </p:txBody>
       </p:sp>
@@ -6500,10 +6331,17 @@
           <a:lstStyle/>
           <a:p>
             <a:r>
-              <a:rPr lang="es-CR" dirty="0" smtClean="0"/>
-              <a:t>Lic. Santiago Rodríguez P. (2014)</a:t>
-            </a:r>
-            <a:endParaRPr lang="es-CR" dirty="0"/>
+              <a:rPr lang="es-CR" dirty="0"/>
+              <a:t>Lic. Santiago Rodríguez P. </a:t>
+            </a:r>
+            <a:r>
+              <a:rPr lang="es-CR"/>
+              <a:t>(2024</a:t>
+            </a:r>
+            <a:r>
+              <a:rPr lang="es-CR" dirty="0"/>
+              <a:t>)</a:t>
+            </a:r>
           </a:p>
         </p:txBody>
       </p:sp>
@@ -6546,14 +6384,6 @@
   <p:clrMapOvr>
     <a:masterClrMapping/>
   </p:clrMapOvr>
-  <mc:AlternateContent xmlns:mc="http://schemas.openxmlformats.org/markup-compatibility/2006" xmlns:p14="http://schemas.microsoft.com/office/powerpoint/2010/main">
-    <mc:Choice Requires="p14">
-      <p:transition spd="slow" p14:dur="2000"/>
-    </mc:Choice>
-    <mc:Fallback xmlns="">
-      <p:transition spd="slow"/>
-    </mc:Fallback>
-  </mc:AlternateContent>
 </p:sld>
 </file>
 
@@ -6590,10 +6420,9 @@
           <a:lstStyle/>
           <a:p>
             <a:r>
-              <a:rPr lang="es-CR" dirty="0" smtClean="0"/>
+              <a:rPr lang="es-CR" dirty="0"/>
               <a:t>Que es una variable?</a:t>
             </a:r>
-            <a:endParaRPr lang="es-CR" dirty="0"/>
           </a:p>
         </p:txBody>
       </p:sp>
@@ -6658,14 +6487,6 @@
   <p:clrMapOvr>
     <a:masterClrMapping/>
   </p:clrMapOvr>
-  <mc:AlternateContent xmlns:mc="http://schemas.openxmlformats.org/markup-compatibility/2006" xmlns:p14="http://schemas.microsoft.com/office/powerpoint/2010/main">
-    <mc:Choice Requires="p14">
-      <p:transition spd="slow" p14:dur="2000"/>
-    </mc:Choice>
-    <mc:Fallback xmlns="">
-      <p:transition spd="slow"/>
-    </mc:Fallback>
-  </mc:AlternateContent>
 </p:sld>
 </file>
 
@@ -6702,10 +6523,9 @@
           <a:lstStyle/>
           <a:p>
             <a:r>
-              <a:rPr lang="es-CR" dirty="0" smtClean="0"/>
+              <a:rPr lang="es-CR" dirty="0"/>
               <a:t>Que es una variable? #2</a:t>
             </a:r>
-            <a:endParaRPr lang="es-CR" dirty="0"/>
           </a:p>
         </p:txBody>
       </p:sp>
@@ -6727,7 +6547,7 @@
           <a:lstStyle/>
           <a:p>
             <a:r>
-              <a:rPr lang="es-CR" smtClean="0"/>
+              <a:rPr lang="es-CR"/>
               <a:t>Las</a:t>
             </a:r>
             <a:r>
@@ -6776,21 +6596,6 @@
   <p:clrMapOvr>
     <a:masterClrMapping/>
   </p:clrMapOvr>
-  <mc:AlternateContent xmlns:mc="http://schemas.openxmlformats.org/markup-compatibility/2006" xmlns:p14="http://schemas.microsoft.com/office/powerpoint/2010/main">
-    <mc:Choice Requires="p14">
-      <p:transition spd="slow" p14:dur="2000"/>
-    </mc:Choice>
-    <mc:Fallback xmlns="">
-      <p:transition spd="slow"/>
-    </mc:Fallback>
-  </mc:AlternateContent>
-  <p:timing>
-    <p:tnLst>
-      <p:par>
-        <p:cTn id="1" dur="indefinite" restart="never" nodeType="tmRoot"/>
-      </p:par>
-    </p:tnLst>
-  </p:timing>
 </p:sld>
 </file>
 
@@ -6827,10 +6632,9 @@
           <a:lstStyle/>
           <a:p>
             <a:r>
-              <a:rPr lang="es-CR" sz="3600" dirty="0" smtClean="0"/>
+              <a:rPr lang="es-CR" sz="3600" dirty="0"/>
               <a:t>Definición de Variables en C#</a:t>
             </a:r>
-            <a:endParaRPr lang="es-CR" sz="3600" dirty="0"/>
           </a:p>
         </p:txBody>
       </p:sp>
@@ -7001,18 +6805,13 @@
             <a:lstStyle/>
             <a:p>
               <a:r>
-                <a:rPr lang="es-CR" dirty="0" smtClean="0">
+                <a:rPr lang="es-CR" dirty="0">
                   <a:solidFill>
                     <a:schemeClr val="bg1"/>
                   </a:solidFill>
                 </a:rPr>
                 <a:t>Se definen o crean las variables</a:t>
               </a:r>
-              <a:endParaRPr lang="es-CR" dirty="0">
-                <a:solidFill>
-                  <a:schemeClr val="bg1"/>
-                </a:solidFill>
-              </a:endParaRPr>
             </a:p>
           </p:txBody>
         </p:sp>
@@ -7091,18 +6890,13 @@
             <a:lstStyle/>
             <a:p>
               <a:r>
-                <a:rPr lang="es-CR" dirty="0" smtClean="0">
+                <a:rPr lang="es-CR" dirty="0">
                   <a:solidFill>
                     <a:schemeClr val="bg1"/>
                   </a:solidFill>
                 </a:rPr>
                 <a:t>Se inicializan las variables</a:t>
               </a:r>
-              <a:endParaRPr lang="es-CR" dirty="0">
-                <a:solidFill>
-                  <a:schemeClr val="bg1"/>
-                </a:solidFill>
-              </a:endParaRPr>
             </a:p>
           </p:txBody>
         </p:sp>
@@ -7155,13 +6949,6 @@
   <p:clrMapOvr>
     <a:masterClrMapping/>
   </p:clrMapOvr>
-  <p:timing>
-    <p:tnLst>
-      <p:par>
-        <p:cTn id="1" dur="indefinite" restart="never" nodeType="tmRoot"/>
-      </p:par>
-    </p:tnLst>
-  </p:timing>
 </p:sld>
 </file>
 
@@ -7203,10 +6990,9 @@
           <a:lstStyle/>
           <a:p>
             <a:r>
-              <a:rPr lang="es-CR" dirty="0" smtClean="0"/>
+              <a:rPr lang="es-CR" dirty="0"/>
               <a:t>Pero que acabamos de hacer?</a:t>
             </a:r>
-            <a:endParaRPr lang="es-CR" dirty="0"/>
           </a:p>
         </p:txBody>
       </p:sp>
@@ -7233,7 +7019,7 @@
           <a:lstStyle/>
           <a:p>
             <a:r>
-              <a:rPr lang="es-CR" dirty="0" smtClean="0"/>
+              <a:rPr lang="es-CR" dirty="0"/>
               <a:t>Imaginemos que la memoria de la computadora es un gran espacio del cual podemos reservar ciertas pociones o partes.</a:t>
             </a:r>
           </a:p>
@@ -7242,11 +7028,11 @@
           </a:p>
           <a:p>
             <a:r>
-              <a:rPr lang="es-CR" dirty="0" smtClean="0"/>
+              <a:rPr lang="es-CR" dirty="0"/>
               <a:t>Al decir: </a:t>
             </a:r>
             <a:r>
-              <a:rPr lang="en-US" b="1" dirty="0" err="1" smtClean="0">
+              <a:rPr lang="en-US" b="1" dirty="0" err="1">
                 <a:solidFill>
                   <a:schemeClr val="tx2">
                     <a:lumMod val="50000"/>
@@ -7256,7 +7042,7 @@
               <a:t>int</a:t>
             </a:r>
             <a:r>
-              <a:rPr lang="en-US" dirty="0" smtClean="0">
+              <a:rPr lang="en-US" dirty="0">
                 <a:solidFill>
                   <a:schemeClr val="tx2">
                     <a:lumMod val="50000"/>
@@ -7267,137 +7053,132 @@
             </a:r>
             <a:r>
               <a:rPr lang="en-US" dirty="0"/>
-              <a:t>A, B, C</a:t>
-            </a:r>
-            <a:r>
-              <a:rPr lang="en-US" dirty="0" smtClean="0"/>
-              <a:t>;</a:t>
+              <a:t>A, B, C;</a:t>
             </a:r>
           </a:p>
           <a:p>
             <a:pPr marL="68580" indent="0">
               <a:buNone/>
             </a:pPr>
-            <a:endParaRPr lang="en-US" dirty="0" smtClean="0"/>
-          </a:p>
-          <a:p>
-            <a:r>
-              <a:rPr lang="en-US" dirty="0" err="1" smtClean="0"/>
+            <a:endParaRPr lang="en-US" dirty="0"/>
+          </a:p>
+          <a:p>
+            <a:r>
+              <a:rPr lang="en-US" dirty="0" err="1"/>
               <a:t>Estamos</a:t>
             </a:r>
             <a:r>
-              <a:rPr lang="en-US" dirty="0" smtClean="0"/>
+              <a:rPr lang="en-US" dirty="0"/>
               <a:t> </a:t>
             </a:r>
             <a:r>
-              <a:rPr lang="en-US" dirty="0" err="1" smtClean="0"/>
+              <a:rPr lang="en-US" dirty="0" err="1"/>
               <a:t>diciendole</a:t>
             </a:r>
             <a:r>
-              <a:rPr lang="en-US" dirty="0" smtClean="0"/>
+              <a:rPr lang="en-US" dirty="0"/>
               <a:t> a la </a:t>
             </a:r>
             <a:r>
-              <a:rPr lang="en-US" dirty="0" err="1" smtClean="0"/>
+              <a:rPr lang="en-US" dirty="0" err="1"/>
               <a:t>computadora</a:t>
             </a:r>
             <a:r>
-              <a:rPr lang="en-US" dirty="0" smtClean="0"/>
+              <a:rPr lang="en-US" dirty="0"/>
               <a:t> </a:t>
             </a:r>
             <a:r>
-              <a:rPr lang="en-US" dirty="0" err="1" smtClean="0"/>
+              <a:rPr lang="en-US" dirty="0" err="1"/>
               <a:t>que</a:t>
             </a:r>
             <a:r>
-              <a:rPr lang="en-US" dirty="0" smtClean="0"/>
+              <a:rPr lang="en-US" dirty="0"/>
               <a:t> </a:t>
             </a:r>
             <a:r>
-              <a:rPr lang="en-US" dirty="0" err="1" smtClean="0"/>
+              <a:rPr lang="en-US" dirty="0" err="1"/>
               <a:t>nos</a:t>
             </a:r>
             <a:r>
-              <a:rPr lang="en-US" dirty="0" smtClean="0"/>
+              <a:rPr lang="en-US" dirty="0"/>
               <a:t> reserve 3 </a:t>
             </a:r>
             <a:r>
-              <a:rPr lang="en-US" dirty="0" err="1" smtClean="0"/>
+              <a:rPr lang="en-US" dirty="0" err="1"/>
               <a:t>espacios</a:t>
             </a:r>
             <a:r>
-              <a:rPr lang="en-US" dirty="0" smtClean="0"/>
+              <a:rPr lang="en-US" dirty="0"/>
               <a:t> de </a:t>
             </a:r>
             <a:r>
-              <a:rPr lang="en-US" dirty="0" err="1" smtClean="0"/>
+              <a:rPr lang="en-US" dirty="0" err="1"/>
               <a:t>memoria</a:t>
             </a:r>
             <a:r>
-              <a:rPr lang="en-US" dirty="0" smtClean="0"/>
+              <a:rPr lang="en-US" dirty="0"/>
               <a:t> o “</a:t>
             </a:r>
             <a:r>
-              <a:rPr lang="en-US" dirty="0" err="1" smtClean="0"/>
+              <a:rPr lang="en-US" dirty="0" err="1"/>
               <a:t>cajitas</a:t>
             </a:r>
             <a:r>
-              <a:rPr lang="en-US" dirty="0" smtClean="0"/>
+              <a:rPr lang="en-US" dirty="0"/>
               <a:t>” para </a:t>
             </a:r>
             <a:r>
-              <a:rPr lang="en-US" dirty="0" err="1" smtClean="0"/>
+              <a:rPr lang="en-US" dirty="0" err="1"/>
               <a:t>guardar</a:t>
             </a:r>
             <a:r>
-              <a:rPr lang="en-US" dirty="0" smtClean="0"/>
+              <a:rPr lang="en-US" dirty="0"/>
               <a:t> n</a:t>
             </a:r>
             <a:r>
-              <a:rPr lang="es-CR" dirty="0" smtClean="0"/>
+              <a:rPr lang="es-CR" dirty="0"/>
               <a:t>ú</a:t>
             </a:r>
             <a:r>
-              <a:rPr lang="en-US" dirty="0" err="1" smtClean="0"/>
+              <a:rPr lang="en-US" dirty="0" err="1"/>
               <a:t>meros</a:t>
             </a:r>
             <a:r>
-              <a:rPr lang="en-US" dirty="0" smtClean="0"/>
+              <a:rPr lang="en-US" dirty="0"/>
               <a:t> </a:t>
             </a:r>
             <a:r>
-              <a:rPr lang="en-US" dirty="0" err="1" smtClean="0"/>
+              <a:rPr lang="en-US" dirty="0" err="1"/>
               <a:t>enteros</a:t>
             </a:r>
             <a:r>
-              <a:rPr lang="en-US" dirty="0" smtClean="0"/>
+              <a:rPr lang="en-US" dirty="0"/>
               <a:t>. </a:t>
             </a:r>
             <a:r>
-              <a:rPr lang="en-US" dirty="0" err="1" smtClean="0"/>
+              <a:rPr lang="en-US" dirty="0" err="1"/>
               <a:t>Esos</a:t>
             </a:r>
             <a:r>
-              <a:rPr lang="en-US" dirty="0" smtClean="0"/>
+              <a:rPr lang="en-US" dirty="0"/>
               <a:t> </a:t>
             </a:r>
             <a:r>
-              <a:rPr lang="en-US" dirty="0" err="1" smtClean="0"/>
+              <a:rPr lang="en-US" dirty="0" err="1"/>
               <a:t>espacios</a:t>
             </a:r>
             <a:r>
-              <a:rPr lang="en-US" dirty="0" smtClean="0"/>
+              <a:rPr lang="en-US" dirty="0"/>
               <a:t> se </a:t>
             </a:r>
             <a:r>
-              <a:rPr lang="en-US" dirty="0" err="1" smtClean="0"/>
+              <a:rPr lang="en-US" dirty="0" err="1"/>
               <a:t>llaman</a:t>
             </a:r>
             <a:r>
-              <a:rPr lang="en-US" dirty="0" smtClean="0"/>
+              <a:rPr lang="en-US" dirty="0"/>
               <a:t>: A, B y C.</a:t>
             </a:r>
-            <a:endParaRPr lang="en-US" dirty="0"/>
           </a:p>
           <a:p>
             <a:endParaRPr lang="es-CR" dirty="0"/>
@@ -7485,10 +7266,9 @@
           <a:lstStyle/>
           <a:p>
             <a:r>
-              <a:rPr lang="es-CR" dirty="0" smtClean="0"/>
+              <a:rPr lang="es-CR" dirty="0"/>
               <a:t>Y luego que?</a:t>
             </a:r>
-            <a:endParaRPr lang="es-CR" dirty="0"/>
           </a:p>
         </p:txBody>
       </p:sp>
@@ -7515,7 +7295,7 @@
           <a:lstStyle/>
           <a:p>
             <a:r>
-              <a:rPr lang="es-CR" dirty="0" smtClean="0"/>
+              <a:rPr lang="es-CR" dirty="0"/>
               <a:t>Lo siguiente sería inicializar las variables. Es decir asignarles algún valor por lo general neutro para que no estén llenas de basura.</a:t>
             </a:r>
           </a:p>
@@ -7669,7 +7449,7 @@
             <a:lstStyle/>
             <a:p>
               <a:r>
-                <a:rPr lang="es-CR" dirty="0" smtClean="0"/>
+                <a:rPr lang="es-CR" dirty="0"/>
                 <a:t>Este método corresponde al evento Load, el código que este dentro  de este método se ejecuta al iniciar el programa</a:t>
               </a:r>
               <a:endParaRPr lang="en-US" dirty="0"/>
@@ -7723,22 +7503,21 @@
           <a:lstStyle/>
           <a:p>
             <a:r>
-              <a:rPr lang="en-US" dirty="0" err="1" smtClean="0"/>
+              <a:rPr lang="en-US" dirty="0" err="1"/>
               <a:t>Probemos</a:t>
             </a:r>
             <a:r>
-              <a:rPr lang="en-US" dirty="0" smtClean="0"/>
+              <a:rPr lang="en-US" dirty="0"/>
               <a:t> </a:t>
             </a:r>
             <a:r>
-              <a:rPr lang="en-US" dirty="0" err="1" smtClean="0"/>
+              <a:rPr lang="en-US" dirty="0" err="1"/>
               <a:t>las</a:t>
             </a:r>
             <a:r>
-              <a:rPr lang="en-US" dirty="0" smtClean="0"/>
+              <a:rPr lang="en-US" dirty="0"/>
               <a:t> variables</a:t>
             </a:r>
-            <a:endParaRPr lang="en-US" dirty="0"/>
           </a:p>
         </p:txBody>
       </p:sp>
@@ -7763,46 +7542,45 @@
           <a:lstStyle/>
           <a:p>
             <a:r>
-              <a:rPr lang="en-US" dirty="0" err="1" smtClean="0"/>
+              <a:rPr lang="en-US" dirty="0" err="1"/>
               <a:t>Iniciemos</a:t>
             </a:r>
             <a:r>
-              <a:rPr lang="en-US" dirty="0" smtClean="0"/>
+              <a:rPr lang="en-US" dirty="0"/>
               <a:t> un </a:t>
             </a:r>
             <a:r>
-              <a:rPr lang="en-US" dirty="0" err="1" smtClean="0"/>
+              <a:rPr lang="en-US" dirty="0" err="1"/>
               <a:t>nuevo</a:t>
             </a:r>
             <a:r>
-              <a:rPr lang="en-US" dirty="0" smtClean="0"/>
+              <a:rPr lang="en-US" dirty="0"/>
               <a:t> </a:t>
             </a:r>
             <a:r>
-              <a:rPr lang="en-US" dirty="0" err="1" smtClean="0"/>
+              <a:rPr lang="en-US" dirty="0" err="1"/>
               <a:t>proyecto</a:t>
             </a:r>
             <a:r>
-              <a:rPr lang="en-US" dirty="0" smtClean="0"/>
+              <a:rPr lang="en-US" dirty="0"/>
               <a:t> con </a:t>
             </a:r>
             <a:r>
-              <a:rPr lang="en-US" dirty="0" err="1" smtClean="0"/>
+              <a:rPr lang="en-US" dirty="0" err="1"/>
               <a:t>una</a:t>
             </a:r>
             <a:r>
-              <a:rPr lang="en-US" dirty="0" smtClean="0"/>
+              <a:rPr lang="en-US" dirty="0"/>
               <a:t> interface similar a </a:t>
             </a:r>
             <a:r>
-              <a:rPr lang="en-US" dirty="0" err="1" smtClean="0"/>
+              <a:rPr lang="en-US" dirty="0" err="1"/>
               <a:t>esta</a:t>
             </a:r>
             <a:r>
-              <a:rPr lang="en-US" dirty="0" smtClean="0"/>
+              <a:rPr lang="en-US" dirty="0"/>
               <a:t>:</a:t>
             </a:r>
-            <a:endParaRPr lang="en-US" dirty="0"/>
           </a:p>
         </p:txBody>
       </p:sp>
@@ -7897,55 +7675,55 @@
             <a:lstStyle/>
             <a:p>
               <a:r>
-                <a:rPr lang="en-US" dirty="0" err="1" smtClean="0"/>
+                <a:rPr lang="en-US" dirty="0" err="1"/>
                 <a:t>Recordemos</a:t>
               </a:r>
               <a:r>
-                <a:rPr lang="en-US" dirty="0" smtClean="0"/>
+                <a:rPr lang="en-US" dirty="0"/>
                 <a:t> </a:t>
               </a:r>
               <a:r>
-                <a:rPr lang="en-US" dirty="0" err="1" smtClean="0"/>
+                <a:rPr lang="en-US" dirty="0" err="1"/>
                 <a:t>usar</a:t>
               </a:r>
               <a:r>
-                <a:rPr lang="en-US" dirty="0" smtClean="0"/>
+                <a:rPr lang="en-US" dirty="0"/>
                 <a:t> </a:t>
               </a:r>
               <a:r>
-                <a:rPr lang="en-US" dirty="0" err="1" smtClean="0"/>
+                <a:rPr lang="en-US" dirty="0" err="1"/>
                 <a:t>nombres</a:t>
               </a:r>
               <a:r>
-                <a:rPr lang="en-US" dirty="0" smtClean="0"/>
+                <a:rPr lang="en-US" dirty="0"/>
                 <a:t> </a:t>
               </a:r>
               <a:r>
-                <a:rPr lang="en-US" dirty="0" err="1" smtClean="0"/>
+                <a:rPr lang="en-US" dirty="0" err="1"/>
                 <a:t>significativos</a:t>
               </a:r>
               <a:r>
-                <a:rPr lang="en-US" dirty="0" smtClean="0"/>
+                <a:rPr lang="en-US" dirty="0"/>
                 <a:t> par los </a:t>
               </a:r>
               <a:r>
-                <a:rPr lang="en-US" dirty="0" err="1" smtClean="0"/>
+                <a:rPr lang="en-US" dirty="0" err="1"/>
                 <a:t>campos</a:t>
               </a:r>
               <a:r>
-                <a:rPr lang="en-US" dirty="0" smtClean="0"/>
+                <a:rPr lang="en-US" dirty="0"/>
                 <a:t> de </a:t>
               </a:r>
               <a:r>
-                <a:rPr lang="en-US" dirty="0" err="1" smtClean="0"/>
+                <a:rPr lang="en-US" dirty="0" err="1"/>
                 <a:t>texto</a:t>
               </a:r>
               <a:r>
-                <a:rPr lang="en-US" dirty="0" smtClean="0"/>
+                <a:rPr lang="en-US" dirty="0"/>
                 <a:t>, </a:t>
               </a:r>
               <a:r>
-                <a:rPr lang="en-US" dirty="0" err="1" smtClean="0"/>
+                <a:rPr lang="en-US" dirty="0" err="1"/>
                 <a:t>como</a:t>
               </a:r>
               <a:r>
@@ -7953,14 +7731,13 @@
                 <a:t>: Num1_Txt, Num2_Txt, </a:t>
               </a:r>
               <a:r>
-                <a:rPr lang="en-US" dirty="0" err="1" smtClean="0"/>
+                <a:rPr lang="en-US" dirty="0" err="1"/>
                 <a:t>Resultado_Txt</a:t>
               </a:r>
               <a:r>
-                <a:rPr lang="en-US" dirty="0" smtClean="0"/>
+                <a:rPr lang="en-US" dirty="0"/>
                 <a:t>, etc.</a:t>
               </a:r>
-              <a:endParaRPr lang="en-US" dirty="0"/>
             </a:p>
           </p:txBody>
         </p:sp>
@@ -8090,11 +7867,11 @@
           <a:lstStyle/>
           <a:p>
             <a:r>
-              <a:rPr lang="en-US" dirty="0" err="1" smtClean="0"/>
+              <a:rPr lang="en-US" dirty="0" err="1"/>
               <a:t>Agregamos</a:t>
             </a:r>
             <a:r>
-              <a:rPr lang="en-US" dirty="0" smtClean="0"/>
+              <a:rPr lang="en-US" dirty="0"/>
               <a:t> el </a:t>
             </a:r>
             <a:r>
@@ -8254,34 +8031,22 @@
             <a:p>
               <a:r>
                 <a:rPr lang="es-CR" dirty="0"/>
-                <a:t>Con esta función convertimos de número </a:t>
+                <a:t>Con esta función convertimos de número entero (</a:t>
               </a:r>
               <a:r>
-                <a:rPr lang="es-CR" dirty="0" smtClean="0"/>
-                <a:t>entero (</a:t>
-              </a:r>
-              <a:r>
-                <a:rPr lang="es-CR" b="1" dirty="0" err="1" smtClean="0"/>
+                <a:rPr lang="es-CR" b="1" dirty="0" err="1"/>
                 <a:t>int</a:t>
               </a:r>
               <a:r>
-                <a:rPr lang="es-CR" dirty="0" smtClean="0"/>
-                <a:t>) </a:t>
+                <a:rPr lang="es-CR" dirty="0"/>
+                <a:t>) a cadena de texto (</a:t>
+              </a:r>
+              <a:r>
+                <a:rPr lang="es-CR" b="1" dirty="0" err="1"/>
+                <a:t>String</a:t>
               </a:r>
               <a:r>
                 <a:rPr lang="es-CR" dirty="0"/>
-                <a:t>a cadena de </a:t>
-              </a:r>
-              <a:r>
-                <a:rPr lang="es-CR" dirty="0" smtClean="0"/>
-                <a:t>texto (</a:t>
-              </a:r>
-              <a:r>
-                <a:rPr lang="es-CR" b="1" dirty="0" err="1" smtClean="0"/>
-                <a:t>String</a:t>
-              </a:r>
-              <a:r>
-                <a:rPr lang="es-CR" dirty="0" smtClean="0"/>
                 <a:t>).</a:t>
               </a:r>
               <a:endParaRPr lang="en-US" dirty="0"/>
